--- a/references/20191007/simulation_design.pptx
+++ b/references/20191007/simulation_design.pptx
@@ -207,7 +207,7 @@
           <a:p>
             <a:fld id="{0C9F3C88-0958-D44F-B6EB-D46BBD36CB29}" type="datetimeFigureOut">
               <a:rPr lang="en-US" smtClean="0"/>
-              <a:t>10/13/19</a:t>
+              <a:t>10/21/19</a:t>
             </a:fld>
             <a:endParaRPr lang="en-US"/>
           </a:p>
@@ -1505,7 +1505,7 @@
           <a:p>
             <a:fld id="{78A30419-1D28-6948-8173-1374087F147F}" type="datetimeFigureOut">
               <a:rPr lang="en-US" smtClean="0"/>
-              <a:t>10/13/19</a:t>
+              <a:t>10/21/19</a:t>
             </a:fld>
             <a:endParaRPr lang="en-US"/>
           </a:p>
@@ -1703,7 +1703,7 @@
           <a:p>
             <a:fld id="{78A30419-1D28-6948-8173-1374087F147F}" type="datetimeFigureOut">
               <a:rPr lang="en-US" smtClean="0"/>
-              <a:t>10/13/19</a:t>
+              <a:t>10/21/19</a:t>
             </a:fld>
             <a:endParaRPr lang="en-US"/>
           </a:p>
@@ -1911,7 +1911,7 @@
           <a:p>
             <a:fld id="{78A30419-1D28-6948-8173-1374087F147F}" type="datetimeFigureOut">
               <a:rPr lang="en-US" smtClean="0"/>
-              <a:t>10/13/19</a:t>
+              <a:t>10/21/19</a:t>
             </a:fld>
             <a:endParaRPr lang="en-US"/>
           </a:p>
@@ -2109,7 +2109,7 @@
           <a:p>
             <a:fld id="{78A30419-1D28-6948-8173-1374087F147F}" type="datetimeFigureOut">
               <a:rPr lang="en-US" smtClean="0"/>
-              <a:t>10/13/19</a:t>
+              <a:t>10/21/19</a:t>
             </a:fld>
             <a:endParaRPr lang="en-US"/>
           </a:p>
@@ -2384,7 +2384,7 @@
           <a:p>
             <a:fld id="{78A30419-1D28-6948-8173-1374087F147F}" type="datetimeFigureOut">
               <a:rPr lang="en-US" smtClean="0"/>
-              <a:t>10/13/19</a:t>
+              <a:t>10/21/19</a:t>
             </a:fld>
             <a:endParaRPr lang="en-US"/>
           </a:p>
@@ -2649,7 +2649,7 @@
           <a:p>
             <a:fld id="{78A30419-1D28-6948-8173-1374087F147F}" type="datetimeFigureOut">
               <a:rPr lang="en-US" smtClean="0"/>
-              <a:t>10/13/19</a:t>
+              <a:t>10/21/19</a:t>
             </a:fld>
             <a:endParaRPr lang="en-US"/>
           </a:p>
@@ -3061,7 +3061,7 @@
           <a:p>
             <a:fld id="{78A30419-1D28-6948-8173-1374087F147F}" type="datetimeFigureOut">
               <a:rPr lang="en-US" smtClean="0"/>
-              <a:t>10/13/19</a:t>
+              <a:t>10/21/19</a:t>
             </a:fld>
             <a:endParaRPr lang="en-US"/>
           </a:p>
@@ -3202,7 +3202,7 @@
           <a:p>
             <a:fld id="{78A30419-1D28-6948-8173-1374087F147F}" type="datetimeFigureOut">
               <a:rPr lang="en-US" smtClean="0"/>
-              <a:t>10/13/19</a:t>
+              <a:t>10/21/19</a:t>
             </a:fld>
             <a:endParaRPr lang="en-US"/>
           </a:p>
@@ -3315,7 +3315,7 @@
           <a:p>
             <a:fld id="{78A30419-1D28-6948-8173-1374087F147F}" type="datetimeFigureOut">
               <a:rPr lang="en-US" smtClean="0"/>
-              <a:t>10/13/19</a:t>
+              <a:t>10/21/19</a:t>
             </a:fld>
             <a:endParaRPr lang="en-US"/>
           </a:p>
@@ -3626,7 +3626,7 @@
           <a:p>
             <a:fld id="{78A30419-1D28-6948-8173-1374087F147F}" type="datetimeFigureOut">
               <a:rPr lang="en-US" smtClean="0"/>
-              <a:t>10/13/19</a:t>
+              <a:t>10/21/19</a:t>
             </a:fld>
             <a:endParaRPr lang="en-US"/>
           </a:p>
@@ -3914,7 +3914,7 @@
           <a:p>
             <a:fld id="{78A30419-1D28-6948-8173-1374087F147F}" type="datetimeFigureOut">
               <a:rPr lang="en-US" smtClean="0"/>
-              <a:t>10/13/19</a:t>
+              <a:t>10/21/19</a:t>
             </a:fld>
             <a:endParaRPr lang="en-US"/>
           </a:p>
@@ -4155,7 +4155,7 @@
           <a:p>
             <a:fld id="{78A30419-1D28-6948-8173-1374087F147F}" type="datetimeFigureOut">
               <a:rPr lang="en-US" smtClean="0"/>
-              <a:t>10/13/19</a:t>
+              <a:t>10/21/19</a:t>
             </a:fld>
             <a:endParaRPr lang="en-US"/>
           </a:p>
